--- a/Документация/157_presentation.pptx
+++ b/Документация/157_presentation.pptx
@@ -140,7 +140,7 @@
           <p:cNvPr id="2" name="Title 1">
             <a:extLst>
               <a:ext uri="{FF2B5EF4-FFF2-40B4-BE49-F238E27FC236}">
-                <a16:creationId xmlns:a16="http://schemas.microsoft.com/office/drawing/2014/main" xmlns="" id="{0B68CB7A-DB7C-40F9-BC41-8E191E591DDD}"/>
+                <a16:creationId xmlns="" xmlns:a16="http://schemas.microsoft.com/office/drawing/2014/main" id="{0B68CB7A-DB7C-40F9-BC41-8E191E591DDD}"/>
               </a:ext>
             </a:extLst>
           </p:cNvPr>
@@ -177,7 +177,7 @@
           <p:cNvPr id="3" name="Subtitle 2">
             <a:extLst>
               <a:ext uri="{FF2B5EF4-FFF2-40B4-BE49-F238E27FC236}">
-                <a16:creationId xmlns:a16="http://schemas.microsoft.com/office/drawing/2014/main" xmlns="" id="{8C373110-0A8A-4A27-B30B-51B11FBD6386}"/>
+                <a16:creationId xmlns="" xmlns:a16="http://schemas.microsoft.com/office/drawing/2014/main" id="{8C373110-0A8A-4A27-B30B-51B11FBD6386}"/>
               </a:ext>
             </a:extLst>
           </p:cNvPr>
@@ -247,7 +247,7 @@
           <p:cNvPr id="4" name="Date Placeholder 3">
             <a:extLst>
               <a:ext uri="{FF2B5EF4-FFF2-40B4-BE49-F238E27FC236}">
-                <a16:creationId xmlns:a16="http://schemas.microsoft.com/office/drawing/2014/main" xmlns="" id="{B771E0C1-DB6E-4932-8505-121F47A5A812}"/>
+                <a16:creationId xmlns="" xmlns:a16="http://schemas.microsoft.com/office/drawing/2014/main" id="{B771E0C1-DB6E-4932-8505-121F47A5A812}"/>
               </a:ext>
             </a:extLst>
           </p:cNvPr>
@@ -265,7 +265,7 @@
           <a:p>
             <a:fld id="{3DDB7FF3-D096-4152-9B8E-6904A717DEF4}" type="datetimeFigureOut">
               <a:rPr lang="en-US" smtClean="0"/>
-              <a:t>3/13/2022</a:t>
+              <a:t>3/18/2022</a:t>
             </a:fld>
             <a:endParaRPr lang="en-US" dirty="0"/>
           </a:p>
@@ -276,7 +276,7 @@
           <p:cNvPr id="5" name="Footer Placeholder 4">
             <a:extLst>
               <a:ext uri="{FF2B5EF4-FFF2-40B4-BE49-F238E27FC236}">
-                <a16:creationId xmlns:a16="http://schemas.microsoft.com/office/drawing/2014/main" xmlns="" id="{23335C32-B3F6-4CA9-8BFC-03874698E9CB}"/>
+                <a16:creationId xmlns="" xmlns:a16="http://schemas.microsoft.com/office/drawing/2014/main" id="{23335C32-B3F6-4CA9-8BFC-03874698E9CB}"/>
               </a:ext>
             </a:extLst>
           </p:cNvPr>
@@ -301,7 +301,7 @@
           <p:cNvPr id="6" name="Slide Number Placeholder 5">
             <a:extLst>
               <a:ext uri="{FF2B5EF4-FFF2-40B4-BE49-F238E27FC236}">
-                <a16:creationId xmlns:a16="http://schemas.microsoft.com/office/drawing/2014/main" xmlns="" id="{AEB7C9AF-73AF-49B1-8F26-74B11A233B27}"/>
+                <a16:creationId xmlns="" xmlns:a16="http://schemas.microsoft.com/office/drawing/2014/main" id="{AEB7C9AF-73AF-49B1-8F26-74B11A233B27}"/>
               </a:ext>
             </a:extLst>
           </p:cNvPr>
@@ -360,7 +360,7 @@
           <p:cNvPr id="2" name="Title 1">
             <a:extLst>
               <a:ext uri="{FF2B5EF4-FFF2-40B4-BE49-F238E27FC236}">
-                <a16:creationId xmlns:a16="http://schemas.microsoft.com/office/drawing/2014/main" xmlns="" id="{20863F8A-B5E0-4434-9E33-07FE46BEBD5D}"/>
+                <a16:creationId xmlns="" xmlns:a16="http://schemas.microsoft.com/office/drawing/2014/main" id="{20863F8A-B5E0-4434-9E33-07FE46BEBD5D}"/>
               </a:ext>
             </a:extLst>
           </p:cNvPr>
@@ -388,7 +388,7 @@
           <p:cNvPr id="3" name="Vertical Text Placeholder 2">
             <a:extLst>
               <a:ext uri="{FF2B5EF4-FFF2-40B4-BE49-F238E27FC236}">
-                <a16:creationId xmlns:a16="http://schemas.microsoft.com/office/drawing/2014/main" xmlns="" id="{0235B86F-4B51-4FDD-98A7-2F831DED1157}"/>
+                <a16:creationId xmlns="" xmlns:a16="http://schemas.microsoft.com/office/drawing/2014/main" id="{0235B86F-4B51-4FDD-98A7-2F831DED1157}"/>
               </a:ext>
             </a:extLst>
           </p:cNvPr>
@@ -445,7 +445,7 @@
           <p:cNvPr id="4" name="Date Placeholder 3">
             <a:extLst>
               <a:ext uri="{FF2B5EF4-FFF2-40B4-BE49-F238E27FC236}">
-                <a16:creationId xmlns:a16="http://schemas.microsoft.com/office/drawing/2014/main" xmlns="" id="{C74149D6-5D54-4158-B570-5CE85D39F312}"/>
+                <a16:creationId xmlns="" xmlns:a16="http://schemas.microsoft.com/office/drawing/2014/main" id="{C74149D6-5D54-4158-B570-5CE85D39F312}"/>
               </a:ext>
             </a:extLst>
           </p:cNvPr>
@@ -463,7 +463,7 @@
           <a:p>
             <a:fld id="{3DDB7FF3-D096-4152-9B8E-6904A717DEF4}" type="datetimeFigureOut">
               <a:rPr lang="en-US" smtClean="0"/>
-              <a:t>3/13/2022</a:t>
+              <a:t>3/18/2022</a:t>
             </a:fld>
             <a:endParaRPr lang="en-US" dirty="0"/>
           </a:p>
@@ -474,7 +474,7 @@
           <p:cNvPr id="5" name="Footer Placeholder 4">
             <a:extLst>
               <a:ext uri="{FF2B5EF4-FFF2-40B4-BE49-F238E27FC236}">
-                <a16:creationId xmlns:a16="http://schemas.microsoft.com/office/drawing/2014/main" xmlns="" id="{7B29755A-98DC-414D-B106-6213BA4B545B}"/>
+                <a16:creationId xmlns="" xmlns:a16="http://schemas.microsoft.com/office/drawing/2014/main" id="{7B29755A-98DC-414D-B106-6213BA4B545B}"/>
               </a:ext>
             </a:extLst>
           </p:cNvPr>
@@ -499,7 +499,7 @@
           <p:cNvPr id="6" name="Slide Number Placeholder 5">
             <a:extLst>
               <a:ext uri="{FF2B5EF4-FFF2-40B4-BE49-F238E27FC236}">
-                <a16:creationId xmlns:a16="http://schemas.microsoft.com/office/drawing/2014/main" xmlns="" id="{F223D0B3-0C47-40B2-B2A8-915FCA88E102}"/>
+                <a16:creationId xmlns="" xmlns:a16="http://schemas.microsoft.com/office/drawing/2014/main" id="{F223D0B3-0C47-40B2-B2A8-915FCA88E102}"/>
               </a:ext>
             </a:extLst>
           </p:cNvPr>
@@ -558,7 +558,7 @@
           <p:cNvPr id="2" name="Vertical Title 1">
             <a:extLst>
               <a:ext uri="{FF2B5EF4-FFF2-40B4-BE49-F238E27FC236}">
-                <a16:creationId xmlns:a16="http://schemas.microsoft.com/office/drawing/2014/main" xmlns="" id="{3B4775A2-F868-4E0B-9D8A-7E1306AE8596}"/>
+                <a16:creationId xmlns="" xmlns:a16="http://schemas.microsoft.com/office/drawing/2014/main" id="{3B4775A2-F868-4E0B-9D8A-7E1306AE8596}"/>
               </a:ext>
             </a:extLst>
           </p:cNvPr>
@@ -591,7 +591,7 @@
           <p:cNvPr id="3" name="Vertical Text Placeholder 2">
             <a:extLst>
               <a:ext uri="{FF2B5EF4-FFF2-40B4-BE49-F238E27FC236}">
-                <a16:creationId xmlns:a16="http://schemas.microsoft.com/office/drawing/2014/main" xmlns="" id="{41871879-45AD-408E-949A-D820B57121B3}"/>
+                <a16:creationId xmlns="" xmlns:a16="http://schemas.microsoft.com/office/drawing/2014/main" id="{41871879-45AD-408E-949A-D820B57121B3}"/>
               </a:ext>
             </a:extLst>
           </p:cNvPr>
@@ -653,7 +653,7 @@
           <p:cNvPr id="4" name="Date Placeholder 3">
             <a:extLst>
               <a:ext uri="{FF2B5EF4-FFF2-40B4-BE49-F238E27FC236}">
-                <a16:creationId xmlns:a16="http://schemas.microsoft.com/office/drawing/2014/main" xmlns="" id="{24747470-1466-4220-B904-7C45431980B1}"/>
+                <a16:creationId xmlns="" xmlns:a16="http://schemas.microsoft.com/office/drawing/2014/main" id="{24747470-1466-4220-B904-7C45431980B1}"/>
               </a:ext>
             </a:extLst>
           </p:cNvPr>
@@ -671,7 +671,7 @@
           <a:p>
             <a:fld id="{3DDB7FF3-D096-4152-9B8E-6904A717DEF4}" type="datetimeFigureOut">
               <a:rPr lang="en-US" smtClean="0"/>
-              <a:t>3/13/2022</a:t>
+              <a:t>3/18/2022</a:t>
             </a:fld>
             <a:endParaRPr lang="en-US" dirty="0"/>
           </a:p>
@@ -682,7 +682,7 @@
           <p:cNvPr id="5" name="Footer Placeholder 4">
             <a:extLst>
               <a:ext uri="{FF2B5EF4-FFF2-40B4-BE49-F238E27FC236}">
-                <a16:creationId xmlns:a16="http://schemas.microsoft.com/office/drawing/2014/main" xmlns="" id="{AB82047A-EA4B-43DA-BE7F-20C6D3670361}"/>
+                <a16:creationId xmlns="" xmlns:a16="http://schemas.microsoft.com/office/drawing/2014/main" id="{AB82047A-EA4B-43DA-BE7F-20C6D3670361}"/>
               </a:ext>
             </a:extLst>
           </p:cNvPr>
@@ -707,7 +707,7 @@
           <p:cNvPr id="6" name="Slide Number Placeholder 5">
             <a:extLst>
               <a:ext uri="{FF2B5EF4-FFF2-40B4-BE49-F238E27FC236}">
-                <a16:creationId xmlns:a16="http://schemas.microsoft.com/office/drawing/2014/main" xmlns="" id="{E9F78E3E-F4C7-436D-9EAD-F782786ED92E}"/>
+                <a16:creationId xmlns="" xmlns:a16="http://schemas.microsoft.com/office/drawing/2014/main" id="{E9F78E3E-F4C7-436D-9EAD-F782786ED92E}"/>
               </a:ext>
             </a:extLst>
           </p:cNvPr>
@@ -766,7 +766,7 @@
           <p:cNvPr id="2" name="Title 1">
             <a:extLst>
               <a:ext uri="{FF2B5EF4-FFF2-40B4-BE49-F238E27FC236}">
-                <a16:creationId xmlns:a16="http://schemas.microsoft.com/office/drawing/2014/main" xmlns="" id="{CE2D125E-9396-432F-8290-E5DA5B04267E}"/>
+                <a16:creationId xmlns="" xmlns:a16="http://schemas.microsoft.com/office/drawing/2014/main" id="{CE2D125E-9396-432F-8290-E5DA5B04267E}"/>
               </a:ext>
             </a:extLst>
           </p:cNvPr>
@@ -822,7 +822,7 @@
           <p:cNvPr id="3" name="Content Placeholder 2">
             <a:extLst>
               <a:ext uri="{FF2B5EF4-FFF2-40B4-BE49-F238E27FC236}">
-                <a16:creationId xmlns:a16="http://schemas.microsoft.com/office/drawing/2014/main" xmlns="" id="{572506C2-8FA4-4FB3-B693-A87C035E2A13}"/>
+                <a16:creationId xmlns="" xmlns:a16="http://schemas.microsoft.com/office/drawing/2014/main" id="{572506C2-8FA4-4FB3-B693-A87C035E2A13}"/>
               </a:ext>
             </a:extLst>
           </p:cNvPr>
@@ -904,7 +904,7 @@
           <p:cNvPr id="4" name="Date Placeholder 3">
             <a:extLst>
               <a:ext uri="{FF2B5EF4-FFF2-40B4-BE49-F238E27FC236}">
-                <a16:creationId xmlns:a16="http://schemas.microsoft.com/office/drawing/2014/main" xmlns="" id="{EA609536-9C81-4AEB-8CEB-0E38EEAE88C2}"/>
+                <a16:creationId xmlns="" xmlns:a16="http://schemas.microsoft.com/office/drawing/2014/main" id="{EA609536-9C81-4AEB-8CEB-0E38EEAE88C2}"/>
               </a:ext>
             </a:extLst>
           </p:cNvPr>
@@ -922,7 +922,7 @@
           <a:p>
             <a:fld id="{3DDB7FF3-D096-4152-9B8E-6904A717DEF4}" type="datetimeFigureOut">
               <a:rPr lang="en-US" smtClean="0"/>
-              <a:t>3/13/2022</a:t>
+              <a:t>3/18/2022</a:t>
             </a:fld>
             <a:endParaRPr lang="en-US" dirty="0"/>
           </a:p>
@@ -933,7 +933,7 @@
           <p:cNvPr id="5" name="Footer Placeholder 4">
             <a:extLst>
               <a:ext uri="{FF2B5EF4-FFF2-40B4-BE49-F238E27FC236}">
-                <a16:creationId xmlns:a16="http://schemas.microsoft.com/office/drawing/2014/main" xmlns="" id="{02DE4499-E593-4205-BEF7-E005B3B29ECA}"/>
+                <a16:creationId xmlns="" xmlns:a16="http://schemas.microsoft.com/office/drawing/2014/main" id="{02DE4499-E593-4205-BEF7-E005B3B29ECA}"/>
               </a:ext>
             </a:extLst>
           </p:cNvPr>
@@ -958,7 +958,7 @@
           <p:cNvPr id="6" name="Slide Number Placeholder 5">
             <a:extLst>
               <a:ext uri="{FF2B5EF4-FFF2-40B4-BE49-F238E27FC236}">
-                <a16:creationId xmlns:a16="http://schemas.microsoft.com/office/drawing/2014/main" xmlns="" id="{85D3E04F-C8B2-4A85-90AA-C1D23AC880E3}"/>
+                <a16:creationId xmlns="" xmlns:a16="http://schemas.microsoft.com/office/drawing/2014/main" id="{85D3E04F-C8B2-4A85-90AA-C1D23AC880E3}"/>
               </a:ext>
             </a:extLst>
           </p:cNvPr>
@@ -987,7 +987,7 @@
           <p:cNvPr id="8" name="Picture 7" descr="Logo, company name&#10;&#10;Description automatically generated">
             <a:extLst>
               <a:ext uri="{FF2B5EF4-FFF2-40B4-BE49-F238E27FC236}">
-                <a16:creationId xmlns:a16="http://schemas.microsoft.com/office/drawing/2014/main" xmlns="" id="{296842D2-34AC-4DDC-965A-87557710F7D5}"/>
+                <a16:creationId xmlns="" xmlns:a16="http://schemas.microsoft.com/office/drawing/2014/main" id="{296842D2-34AC-4DDC-965A-87557710F7D5}"/>
               </a:ext>
             </a:extLst>
           </p:cNvPr>
@@ -1053,7 +1053,7 @@
           <p:cNvPr id="2" name="Title 1">
             <a:extLst>
               <a:ext uri="{FF2B5EF4-FFF2-40B4-BE49-F238E27FC236}">
-                <a16:creationId xmlns:a16="http://schemas.microsoft.com/office/drawing/2014/main" xmlns="" id="{37E818AE-E633-47F1-A748-F6D927F22F37}"/>
+                <a16:creationId xmlns="" xmlns:a16="http://schemas.microsoft.com/office/drawing/2014/main" id="{37E818AE-E633-47F1-A748-F6D927F22F37}"/>
               </a:ext>
             </a:extLst>
           </p:cNvPr>
@@ -1090,7 +1090,7 @@
           <p:cNvPr id="3" name="Text Placeholder 2">
             <a:extLst>
               <a:ext uri="{FF2B5EF4-FFF2-40B4-BE49-F238E27FC236}">
-                <a16:creationId xmlns:a16="http://schemas.microsoft.com/office/drawing/2014/main" xmlns="" id="{27863ABB-A0A9-4C39-BA20-684D43330ACF}"/>
+                <a16:creationId xmlns="" xmlns:a16="http://schemas.microsoft.com/office/drawing/2014/main" id="{27863ABB-A0A9-4C39-BA20-684D43330ACF}"/>
               </a:ext>
             </a:extLst>
           </p:cNvPr>
@@ -1215,7 +1215,7 @@
           <p:cNvPr id="4" name="Date Placeholder 3">
             <a:extLst>
               <a:ext uri="{FF2B5EF4-FFF2-40B4-BE49-F238E27FC236}">
-                <a16:creationId xmlns:a16="http://schemas.microsoft.com/office/drawing/2014/main" xmlns="" id="{EBA6114B-DA13-4260-95EA-AD216606E28D}"/>
+                <a16:creationId xmlns="" xmlns:a16="http://schemas.microsoft.com/office/drawing/2014/main" id="{EBA6114B-DA13-4260-95EA-AD216606E28D}"/>
               </a:ext>
             </a:extLst>
           </p:cNvPr>
@@ -1233,7 +1233,7 @@
           <a:p>
             <a:fld id="{3DDB7FF3-D096-4152-9B8E-6904A717DEF4}" type="datetimeFigureOut">
               <a:rPr lang="en-US" smtClean="0"/>
-              <a:t>3/13/2022</a:t>
+              <a:t>3/18/2022</a:t>
             </a:fld>
             <a:endParaRPr lang="en-US" dirty="0"/>
           </a:p>
@@ -1244,7 +1244,7 @@
           <p:cNvPr id="5" name="Footer Placeholder 4">
             <a:extLst>
               <a:ext uri="{FF2B5EF4-FFF2-40B4-BE49-F238E27FC236}">
-                <a16:creationId xmlns:a16="http://schemas.microsoft.com/office/drawing/2014/main" xmlns="" id="{3E0F4864-981B-4019-B372-CB4198835743}"/>
+                <a16:creationId xmlns="" xmlns:a16="http://schemas.microsoft.com/office/drawing/2014/main" id="{3E0F4864-981B-4019-B372-CB4198835743}"/>
               </a:ext>
             </a:extLst>
           </p:cNvPr>
@@ -1269,7 +1269,7 @@
           <p:cNvPr id="6" name="Slide Number Placeholder 5">
             <a:extLst>
               <a:ext uri="{FF2B5EF4-FFF2-40B4-BE49-F238E27FC236}">
-                <a16:creationId xmlns:a16="http://schemas.microsoft.com/office/drawing/2014/main" xmlns="" id="{B6DA519E-AB25-4DA0-B165-E4F201F8D638}"/>
+                <a16:creationId xmlns="" xmlns:a16="http://schemas.microsoft.com/office/drawing/2014/main" id="{B6DA519E-AB25-4DA0-B165-E4F201F8D638}"/>
               </a:ext>
             </a:extLst>
           </p:cNvPr>
@@ -1328,7 +1328,7 @@
           <p:cNvPr id="2" name="Title 1">
             <a:extLst>
               <a:ext uri="{FF2B5EF4-FFF2-40B4-BE49-F238E27FC236}">
-                <a16:creationId xmlns:a16="http://schemas.microsoft.com/office/drawing/2014/main" xmlns="" id="{75C3FEF9-C141-4507-AD3F-9296055FA1AC}"/>
+                <a16:creationId xmlns="" xmlns:a16="http://schemas.microsoft.com/office/drawing/2014/main" id="{75C3FEF9-C141-4507-AD3F-9296055FA1AC}"/>
               </a:ext>
             </a:extLst>
           </p:cNvPr>
@@ -1356,7 +1356,7 @@
           <p:cNvPr id="3" name="Content Placeholder 2">
             <a:extLst>
               <a:ext uri="{FF2B5EF4-FFF2-40B4-BE49-F238E27FC236}">
-                <a16:creationId xmlns:a16="http://schemas.microsoft.com/office/drawing/2014/main" xmlns="" id="{953C2DB5-AB1C-4946-99FE-33D400BEB596}"/>
+                <a16:creationId xmlns="" xmlns:a16="http://schemas.microsoft.com/office/drawing/2014/main" id="{953C2DB5-AB1C-4946-99FE-33D400BEB596}"/>
               </a:ext>
             </a:extLst>
           </p:cNvPr>
@@ -1418,7 +1418,7 @@
           <p:cNvPr id="4" name="Content Placeholder 3">
             <a:extLst>
               <a:ext uri="{FF2B5EF4-FFF2-40B4-BE49-F238E27FC236}">
-                <a16:creationId xmlns:a16="http://schemas.microsoft.com/office/drawing/2014/main" xmlns="" id="{631CE093-5356-4123-AB16-FC72BF42287F}"/>
+                <a16:creationId xmlns="" xmlns:a16="http://schemas.microsoft.com/office/drawing/2014/main" id="{631CE093-5356-4123-AB16-FC72BF42287F}"/>
               </a:ext>
             </a:extLst>
           </p:cNvPr>
@@ -1480,7 +1480,7 @@
           <p:cNvPr id="5" name="Date Placeholder 4">
             <a:extLst>
               <a:ext uri="{FF2B5EF4-FFF2-40B4-BE49-F238E27FC236}">
-                <a16:creationId xmlns:a16="http://schemas.microsoft.com/office/drawing/2014/main" xmlns="" id="{ACF4B2BE-639D-4A4B-A930-2D1BB0D1BF29}"/>
+                <a16:creationId xmlns="" xmlns:a16="http://schemas.microsoft.com/office/drawing/2014/main" id="{ACF4B2BE-639D-4A4B-A930-2D1BB0D1BF29}"/>
               </a:ext>
             </a:extLst>
           </p:cNvPr>
@@ -1498,7 +1498,7 @@
           <a:p>
             <a:fld id="{3DDB7FF3-D096-4152-9B8E-6904A717DEF4}" type="datetimeFigureOut">
               <a:rPr lang="en-US" smtClean="0"/>
-              <a:t>3/13/2022</a:t>
+              <a:t>3/18/2022</a:t>
             </a:fld>
             <a:endParaRPr lang="en-US" dirty="0"/>
           </a:p>
@@ -1509,7 +1509,7 @@
           <p:cNvPr id="6" name="Footer Placeholder 5">
             <a:extLst>
               <a:ext uri="{FF2B5EF4-FFF2-40B4-BE49-F238E27FC236}">
-                <a16:creationId xmlns:a16="http://schemas.microsoft.com/office/drawing/2014/main" xmlns="" id="{D1A1FE9A-32A2-4027-AD5A-82A50B51B99B}"/>
+                <a16:creationId xmlns="" xmlns:a16="http://schemas.microsoft.com/office/drawing/2014/main" id="{D1A1FE9A-32A2-4027-AD5A-82A50B51B99B}"/>
               </a:ext>
             </a:extLst>
           </p:cNvPr>
@@ -1534,7 +1534,7 @@
           <p:cNvPr id="7" name="Slide Number Placeholder 6">
             <a:extLst>
               <a:ext uri="{FF2B5EF4-FFF2-40B4-BE49-F238E27FC236}">
-                <a16:creationId xmlns:a16="http://schemas.microsoft.com/office/drawing/2014/main" xmlns="" id="{1C8B9C18-A19D-4167-A56B-A5FC441335D6}"/>
+                <a16:creationId xmlns="" xmlns:a16="http://schemas.microsoft.com/office/drawing/2014/main" id="{1C8B9C18-A19D-4167-A56B-A5FC441335D6}"/>
               </a:ext>
             </a:extLst>
           </p:cNvPr>
@@ -1593,7 +1593,7 @@
           <p:cNvPr id="2" name="Title 1">
             <a:extLst>
               <a:ext uri="{FF2B5EF4-FFF2-40B4-BE49-F238E27FC236}">
-                <a16:creationId xmlns:a16="http://schemas.microsoft.com/office/drawing/2014/main" xmlns="" id="{8AEA218A-28B3-4FE5-92FC-6A7DDEEDA67E}"/>
+                <a16:creationId xmlns="" xmlns:a16="http://schemas.microsoft.com/office/drawing/2014/main" id="{8AEA218A-28B3-4FE5-92FC-6A7DDEEDA67E}"/>
               </a:ext>
             </a:extLst>
           </p:cNvPr>
@@ -1626,7 +1626,7 @@
           <p:cNvPr id="3" name="Text Placeholder 2">
             <a:extLst>
               <a:ext uri="{FF2B5EF4-FFF2-40B4-BE49-F238E27FC236}">
-                <a16:creationId xmlns:a16="http://schemas.microsoft.com/office/drawing/2014/main" xmlns="" id="{21D4ECB2-FA5F-43E3-A90A-C96BA1EE433A}"/>
+                <a16:creationId xmlns="" xmlns:a16="http://schemas.microsoft.com/office/drawing/2014/main" id="{21D4ECB2-FA5F-43E3-A90A-C96BA1EE433A}"/>
               </a:ext>
             </a:extLst>
           </p:cNvPr>
@@ -1697,7 +1697,7 @@
           <p:cNvPr id="4" name="Content Placeholder 3">
             <a:extLst>
               <a:ext uri="{FF2B5EF4-FFF2-40B4-BE49-F238E27FC236}">
-                <a16:creationId xmlns:a16="http://schemas.microsoft.com/office/drawing/2014/main" xmlns="" id="{A9598B0A-7367-45CB-B62B-454755CF7EC7}"/>
+                <a16:creationId xmlns="" xmlns:a16="http://schemas.microsoft.com/office/drawing/2014/main" id="{A9598B0A-7367-45CB-B62B-454755CF7EC7}"/>
               </a:ext>
             </a:extLst>
           </p:cNvPr>
@@ -1759,7 +1759,7 @@
           <p:cNvPr id="5" name="Text Placeholder 4">
             <a:extLst>
               <a:ext uri="{FF2B5EF4-FFF2-40B4-BE49-F238E27FC236}">
-                <a16:creationId xmlns:a16="http://schemas.microsoft.com/office/drawing/2014/main" xmlns="" id="{F0F16B00-F7DC-4052-907F-7A871D913DA4}"/>
+                <a16:creationId xmlns="" xmlns:a16="http://schemas.microsoft.com/office/drawing/2014/main" id="{F0F16B00-F7DC-4052-907F-7A871D913DA4}"/>
               </a:ext>
             </a:extLst>
           </p:cNvPr>
@@ -1830,7 +1830,7 @@
           <p:cNvPr id="6" name="Content Placeholder 5">
             <a:extLst>
               <a:ext uri="{FF2B5EF4-FFF2-40B4-BE49-F238E27FC236}">
-                <a16:creationId xmlns:a16="http://schemas.microsoft.com/office/drawing/2014/main" xmlns="" id="{AA6501B5-780A-4632-8B25-EA7BF60A91CA}"/>
+                <a16:creationId xmlns="" xmlns:a16="http://schemas.microsoft.com/office/drawing/2014/main" id="{AA6501B5-780A-4632-8B25-EA7BF60A91CA}"/>
               </a:ext>
             </a:extLst>
           </p:cNvPr>
@@ -1892,7 +1892,7 @@
           <p:cNvPr id="7" name="Date Placeholder 6">
             <a:extLst>
               <a:ext uri="{FF2B5EF4-FFF2-40B4-BE49-F238E27FC236}">
-                <a16:creationId xmlns:a16="http://schemas.microsoft.com/office/drawing/2014/main" xmlns="" id="{D26D79CF-B208-41F8-A2BD-B4A937FFEF1B}"/>
+                <a16:creationId xmlns="" xmlns:a16="http://schemas.microsoft.com/office/drawing/2014/main" id="{D26D79CF-B208-41F8-A2BD-B4A937FFEF1B}"/>
               </a:ext>
             </a:extLst>
           </p:cNvPr>
@@ -1910,7 +1910,7 @@
           <a:p>
             <a:fld id="{3DDB7FF3-D096-4152-9B8E-6904A717DEF4}" type="datetimeFigureOut">
               <a:rPr lang="en-US" smtClean="0"/>
-              <a:t>3/13/2022</a:t>
+              <a:t>3/18/2022</a:t>
             </a:fld>
             <a:endParaRPr lang="en-US" dirty="0"/>
           </a:p>
@@ -1921,7 +1921,7 @@
           <p:cNvPr id="8" name="Footer Placeholder 7">
             <a:extLst>
               <a:ext uri="{FF2B5EF4-FFF2-40B4-BE49-F238E27FC236}">
-                <a16:creationId xmlns:a16="http://schemas.microsoft.com/office/drawing/2014/main" xmlns="" id="{90CA7B11-5D62-4328-AB2B-9057ECD01074}"/>
+                <a16:creationId xmlns="" xmlns:a16="http://schemas.microsoft.com/office/drawing/2014/main" id="{90CA7B11-5D62-4328-AB2B-9057ECD01074}"/>
               </a:ext>
             </a:extLst>
           </p:cNvPr>
@@ -1946,7 +1946,7 @@
           <p:cNvPr id="9" name="Slide Number Placeholder 8">
             <a:extLst>
               <a:ext uri="{FF2B5EF4-FFF2-40B4-BE49-F238E27FC236}">
-                <a16:creationId xmlns:a16="http://schemas.microsoft.com/office/drawing/2014/main" xmlns="" id="{6262897B-E2AC-4124-ACBB-1EEB99CEBD2F}"/>
+                <a16:creationId xmlns="" xmlns:a16="http://schemas.microsoft.com/office/drawing/2014/main" id="{6262897B-E2AC-4124-ACBB-1EEB99CEBD2F}"/>
               </a:ext>
             </a:extLst>
           </p:cNvPr>
@@ -2005,7 +2005,7 @@
           <p:cNvPr id="2" name="Title 1">
             <a:extLst>
               <a:ext uri="{FF2B5EF4-FFF2-40B4-BE49-F238E27FC236}">
-                <a16:creationId xmlns:a16="http://schemas.microsoft.com/office/drawing/2014/main" xmlns="" id="{B06DAABB-5932-4E8D-B0BA-CEEFA6D17843}"/>
+                <a16:creationId xmlns="" xmlns:a16="http://schemas.microsoft.com/office/drawing/2014/main" id="{B06DAABB-5932-4E8D-B0BA-CEEFA6D17843}"/>
               </a:ext>
             </a:extLst>
           </p:cNvPr>
@@ -2033,7 +2033,7 @@
           <p:cNvPr id="3" name="Date Placeholder 2">
             <a:extLst>
               <a:ext uri="{FF2B5EF4-FFF2-40B4-BE49-F238E27FC236}">
-                <a16:creationId xmlns:a16="http://schemas.microsoft.com/office/drawing/2014/main" xmlns="" id="{F24E88CB-5CB7-41AE-B4B7-049B145E1E48}"/>
+                <a16:creationId xmlns="" xmlns:a16="http://schemas.microsoft.com/office/drawing/2014/main" id="{F24E88CB-5CB7-41AE-B4B7-049B145E1E48}"/>
               </a:ext>
             </a:extLst>
           </p:cNvPr>
@@ -2051,7 +2051,7 @@
           <a:p>
             <a:fld id="{3DDB7FF3-D096-4152-9B8E-6904A717DEF4}" type="datetimeFigureOut">
               <a:rPr lang="en-US" smtClean="0"/>
-              <a:t>3/13/2022</a:t>
+              <a:t>3/18/2022</a:t>
             </a:fld>
             <a:endParaRPr lang="en-US" dirty="0"/>
           </a:p>
@@ -2062,7 +2062,7 @@
           <p:cNvPr id="4" name="Footer Placeholder 3">
             <a:extLst>
               <a:ext uri="{FF2B5EF4-FFF2-40B4-BE49-F238E27FC236}">
-                <a16:creationId xmlns:a16="http://schemas.microsoft.com/office/drawing/2014/main" xmlns="" id="{8796976F-1640-4617-BE0B-B1846C2442F7}"/>
+                <a16:creationId xmlns="" xmlns:a16="http://schemas.microsoft.com/office/drawing/2014/main" id="{8796976F-1640-4617-BE0B-B1846C2442F7}"/>
               </a:ext>
             </a:extLst>
           </p:cNvPr>
@@ -2087,7 +2087,7 @@
           <p:cNvPr id="5" name="Slide Number Placeholder 4">
             <a:extLst>
               <a:ext uri="{FF2B5EF4-FFF2-40B4-BE49-F238E27FC236}">
-                <a16:creationId xmlns:a16="http://schemas.microsoft.com/office/drawing/2014/main" xmlns="" id="{75CF9999-4580-4034-834F-CAD12AA81952}"/>
+                <a16:creationId xmlns="" xmlns:a16="http://schemas.microsoft.com/office/drawing/2014/main" id="{75CF9999-4580-4034-834F-CAD12AA81952}"/>
               </a:ext>
             </a:extLst>
           </p:cNvPr>
@@ -2146,7 +2146,7 @@
           <p:cNvPr id="2" name="Date Placeholder 1">
             <a:extLst>
               <a:ext uri="{FF2B5EF4-FFF2-40B4-BE49-F238E27FC236}">
-                <a16:creationId xmlns:a16="http://schemas.microsoft.com/office/drawing/2014/main" xmlns="" id="{0F497C2B-324C-4ACF-9BFC-B9FF9B6A9E7E}"/>
+                <a16:creationId xmlns="" xmlns:a16="http://schemas.microsoft.com/office/drawing/2014/main" id="{0F497C2B-324C-4ACF-9BFC-B9FF9B6A9E7E}"/>
               </a:ext>
             </a:extLst>
           </p:cNvPr>
@@ -2164,7 +2164,7 @@
           <a:p>
             <a:fld id="{3DDB7FF3-D096-4152-9B8E-6904A717DEF4}" type="datetimeFigureOut">
               <a:rPr lang="en-US" smtClean="0"/>
-              <a:t>3/13/2022</a:t>
+              <a:t>3/18/2022</a:t>
             </a:fld>
             <a:endParaRPr lang="en-US" dirty="0"/>
           </a:p>
@@ -2175,7 +2175,7 @@
           <p:cNvPr id="3" name="Footer Placeholder 2">
             <a:extLst>
               <a:ext uri="{FF2B5EF4-FFF2-40B4-BE49-F238E27FC236}">
-                <a16:creationId xmlns:a16="http://schemas.microsoft.com/office/drawing/2014/main" xmlns="" id="{0C08E28F-FB31-4566-88D5-024779D4DD49}"/>
+                <a16:creationId xmlns="" xmlns:a16="http://schemas.microsoft.com/office/drawing/2014/main" id="{0C08E28F-FB31-4566-88D5-024779D4DD49}"/>
               </a:ext>
             </a:extLst>
           </p:cNvPr>
@@ -2200,7 +2200,7 @@
           <p:cNvPr id="4" name="Slide Number Placeholder 3">
             <a:extLst>
               <a:ext uri="{FF2B5EF4-FFF2-40B4-BE49-F238E27FC236}">
-                <a16:creationId xmlns:a16="http://schemas.microsoft.com/office/drawing/2014/main" xmlns="" id="{65E4F3B9-674E-435C-8A57-9F3FCBBA299A}"/>
+                <a16:creationId xmlns="" xmlns:a16="http://schemas.microsoft.com/office/drawing/2014/main" id="{65E4F3B9-674E-435C-8A57-9F3FCBBA299A}"/>
               </a:ext>
             </a:extLst>
           </p:cNvPr>
@@ -2259,7 +2259,7 @@
           <p:cNvPr id="2" name="Title 1">
             <a:extLst>
               <a:ext uri="{FF2B5EF4-FFF2-40B4-BE49-F238E27FC236}">
-                <a16:creationId xmlns:a16="http://schemas.microsoft.com/office/drawing/2014/main" xmlns="" id="{36A9C079-A8A7-4D81-BBBF-2193B4E9F422}"/>
+                <a16:creationId xmlns="" xmlns:a16="http://schemas.microsoft.com/office/drawing/2014/main" id="{36A9C079-A8A7-4D81-BBBF-2193B4E9F422}"/>
               </a:ext>
             </a:extLst>
           </p:cNvPr>
@@ -2296,7 +2296,7 @@
           <p:cNvPr id="3" name="Content Placeholder 2">
             <a:extLst>
               <a:ext uri="{FF2B5EF4-FFF2-40B4-BE49-F238E27FC236}">
-                <a16:creationId xmlns:a16="http://schemas.microsoft.com/office/drawing/2014/main" xmlns="" id="{9E1D84BD-0E09-4644-B734-FDB33E3E3B1E}"/>
+                <a16:creationId xmlns="" xmlns:a16="http://schemas.microsoft.com/office/drawing/2014/main" id="{9E1D84BD-0E09-4644-B734-FDB33E3E3B1E}"/>
               </a:ext>
             </a:extLst>
           </p:cNvPr>
@@ -2386,7 +2386,7 @@
           <p:cNvPr id="4" name="Text Placeholder 3">
             <a:extLst>
               <a:ext uri="{FF2B5EF4-FFF2-40B4-BE49-F238E27FC236}">
-                <a16:creationId xmlns:a16="http://schemas.microsoft.com/office/drawing/2014/main" xmlns="" id="{B77BFED1-0C5F-4C81-BB79-4E6FFCCC1055}"/>
+                <a16:creationId xmlns="" xmlns:a16="http://schemas.microsoft.com/office/drawing/2014/main" id="{B77BFED1-0C5F-4C81-BB79-4E6FFCCC1055}"/>
               </a:ext>
             </a:extLst>
           </p:cNvPr>
@@ -2457,7 +2457,7 @@
           <p:cNvPr id="5" name="Date Placeholder 4">
             <a:extLst>
               <a:ext uri="{FF2B5EF4-FFF2-40B4-BE49-F238E27FC236}">
-                <a16:creationId xmlns:a16="http://schemas.microsoft.com/office/drawing/2014/main" xmlns="" id="{CBD236B3-1526-424A-A1AB-D51038C875CE}"/>
+                <a16:creationId xmlns="" xmlns:a16="http://schemas.microsoft.com/office/drawing/2014/main" id="{CBD236B3-1526-424A-A1AB-D51038C875CE}"/>
               </a:ext>
             </a:extLst>
           </p:cNvPr>
@@ -2475,7 +2475,7 @@
           <a:p>
             <a:fld id="{3DDB7FF3-D096-4152-9B8E-6904A717DEF4}" type="datetimeFigureOut">
               <a:rPr lang="en-US" smtClean="0"/>
-              <a:t>3/13/2022</a:t>
+              <a:t>3/18/2022</a:t>
             </a:fld>
             <a:endParaRPr lang="en-US" dirty="0"/>
           </a:p>
@@ -2486,7 +2486,7 @@
           <p:cNvPr id="6" name="Footer Placeholder 5">
             <a:extLst>
               <a:ext uri="{FF2B5EF4-FFF2-40B4-BE49-F238E27FC236}">
-                <a16:creationId xmlns:a16="http://schemas.microsoft.com/office/drawing/2014/main" xmlns="" id="{30010AF0-1760-4245-B6DA-EF396EAD79E9}"/>
+                <a16:creationId xmlns="" xmlns:a16="http://schemas.microsoft.com/office/drawing/2014/main" id="{30010AF0-1760-4245-B6DA-EF396EAD79E9}"/>
               </a:ext>
             </a:extLst>
           </p:cNvPr>
@@ -2511,7 +2511,7 @@
           <p:cNvPr id="7" name="Slide Number Placeholder 6">
             <a:extLst>
               <a:ext uri="{FF2B5EF4-FFF2-40B4-BE49-F238E27FC236}">
-                <a16:creationId xmlns:a16="http://schemas.microsoft.com/office/drawing/2014/main" xmlns="" id="{B139E258-D348-4EBF-B33C-241CBC58FA01}"/>
+                <a16:creationId xmlns="" xmlns:a16="http://schemas.microsoft.com/office/drawing/2014/main" id="{B139E258-D348-4EBF-B33C-241CBC58FA01}"/>
               </a:ext>
             </a:extLst>
           </p:cNvPr>
@@ -2570,7 +2570,7 @@
           <p:cNvPr id="2" name="Title 1">
             <a:extLst>
               <a:ext uri="{FF2B5EF4-FFF2-40B4-BE49-F238E27FC236}">
-                <a16:creationId xmlns:a16="http://schemas.microsoft.com/office/drawing/2014/main" xmlns="" id="{3D604FA4-9DC0-4BA7-98D6-D296AF4A8367}"/>
+                <a16:creationId xmlns="" xmlns:a16="http://schemas.microsoft.com/office/drawing/2014/main" id="{3D604FA4-9DC0-4BA7-98D6-D296AF4A8367}"/>
               </a:ext>
             </a:extLst>
           </p:cNvPr>
@@ -2607,7 +2607,7 @@
           <p:cNvPr id="3" name="Picture Placeholder 2">
             <a:extLst>
               <a:ext uri="{FF2B5EF4-FFF2-40B4-BE49-F238E27FC236}">
-                <a16:creationId xmlns:a16="http://schemas.microsoft.com/office/drawing/2014/main" xmlns="" id="{E0099673-D90F-4178-8D8D-44E809F7B84A}"/>
+                <a16:creationId xmlns="" xmlns:a16="http://schemas.microsoft.com/office/drawing/2014/main" id="{E0099673-D90F-4178-8D8D-44E809F7B84A}"/>
               </a:ext>
             </a:extLst>
           </p:cNvPr>
@@ -2674,7 +2674,7 @@
           <p:cNvPr id="4" name="Text Placeholder 3">
             <a:extLst>
               <a:ext uri="{FF2B5EF4-FFF2-40B4-BE49-F238E27FC236}">
-                <a16:creationId xmlns:a16="http://schemas.microsoft.com/office/drawing/2014/main" xmlns="" id="{34FD3787-61E8-4004-A7C3-568F55D92F2D}"/>
+                <a16:creationId xmlns="" xmlns:a16="http://schemas.microsoft.com/office/drawing/2014/main" id="{34FD3787-61E8-4004-A7C3-568F55D92F2D}"/>
               </a:ext>
             </a:extLst>
           </p:cNvPr>
@@ -2745,7 +2745,7 @@
           <p:cNvPr id="5" name="Date Placeholder 4">
             <a:extLst>
               <a:ext uri="{FF2B5EF4-FFF2-40B4-BE49-F238E27FC236}">
-                <a16:creationId xmlns:a16="http://schemas.microsoft.com/office/drawing/2014/main" xmlns="" id="{C009976D-8C4C-4372-AAB1-03EBA4DA9A25}"/>
+                <a16:creationId xmlns="" xmlns:a16="http://schemas.microsoft.com/office/drawing/2014/main" id="{C009976D-8C4C-4372-AAB1-03EBA4DA9A25}"/>
               </a:ext>
             </a:extLst>
           </p:cNvPr>
@@ -2763,7 +2763,7 @@
           <a:p>
             <a:fld id="{3DDB7FF3-D096-4152-9B8E-6904A717DEF4}" type="datetimeFigureOut">
               <a:rPr lang="en-US" smtClean="0"/>
-              <a:t>3/13/2022</a:t>
+              <a:t>3/18/2022</a:t>
             </a:fld>
             <a:endParaRPr lang="en-US" dirty="0"/>
           </a:p>
@@ -2774,7 +2774,7 @@
           <p:cNvPr id="6" name="Footer Placeholder 5">
             <a:extLst>
               <a:ext uri="{FF2B5EF4-FFF2-40B4-BE49-F238E27FC236}">
-                <a16:creationId xmlns:a16="http://schemas.microsoft.com/office/drawing/2014/main" xmlns="" id="{E7A32BAF-8733-42A9-96EC-A880D8F7A2D8}"/>
+                <a16:creationId xmlns="" xmlns:a16="http://schemas.microsoft.com/office/drawing/2014/main" id="{E7A32BAF-8733-42A9-96EC-A880D8F7A2D8}"/>
               </a:ext>
             </a:extLst>
           </p:cNvPr>
@@ -2799,7 +2799,7 @@
           <p:cNvPr id="7" name="Slide Number Placeholder 6">
             <a:extLst>
               <a:ext uri="{FF2B5EF4-FFF2-40B4-BE49-F238E27FC236}">
-                <a16:creationId xmlns:a16="http://schemas.microsoft.com/office/drawing/2014/main" xmlns="" id="{1B26D12B-FFF8-4E07-AC56-612B1FFAB826}"/>
+                <a16:creationId xmlns="" xmlns:a16="http://schemas.microsoft.com/office/drawing/2014/main" id="{1B26D12B-FFF8-4E07-AC56-612B1FFAB826}"/>
               </a:ext>
             </a:extLst>
           </p:cNvPr>
@@ -2863,7 +2863,7 @@
           <p:cNvPr id="2" name="Title Placeholder 1">
             <a:extLst>
               <a:ext uri="{FF2B5EF4-FFF2-40B4-BE49-F238E27FC236}">
-                <a16:creationId xmlns:a16="http://schemas.microsoft.com/office/drawing/2014/main" xmlns="" id="{907F3440-41B5-40C0-B0D6-B2E046E39DE5}"/>
+                <a16:creationId xmlns="" xmlns:a16="http://schemas.microsoft.com/office/drawing/2014/main" id="{907F3440-41B5-40C0-B0D6-B2E046E39DE5}"/>
               </a:ext>
             </a:extLst>
           </p:cNvPr>
@@ -2901,7 +2901,7 @@
           <p:cNvPr id="3" name="Text Placeholder 2">
             <a:extLst>
               <a:ext uri="{FF2B5EF4-FFF2-40B4-BE49-F238E27FC236}">
-                <a16:creationId xmlns:a16="http://schemas.microsoft.com/office/drawing/2014/main" xmlns="" id="{67658EEF-F654-4FB0-9D65-D40426BB3EEE}"/>
+                <a16:creationId xmlns="" xmlns:a16="http://schemas.microsoft.com/office/drawing/2014/main" id="{67658EEF-F654-4FB0-9D65-D40426BB3EEE}"/>
               </a:ext>
             </a:extLst>
           </p:cNvPr>
@@ -2968,7 +2968,7 @@
           <p:cNvPr id="4" name="Date Placeholder 3">
             <a:extLst>
               <a:ext uri="{FF2B5EF4-FFF2-40B4-BE49-F238E27FC236}">
-                <a16:creationId xmlns:a16="http://schemas.microsoft.com/office/drawing/2014/main" xmlns="" id="{C606EB77-2FBD-4E86-91EE-7F02338AD70A}"/>
+                <a16:creationId xmlns="" xmlns:a16="http://schemas.microsoft.com/office/drawing/2014/main" id="{C606EB77-2FBD-4E86-91EE-7F02338AD70A}"/>
               </a:ext>
             </a:extLst>
           </p:cNvPr>
@@ -3004,7 +3004,7 @@
           <a:p>
             <a:fld id="{3DDB7FF3-D096-4152-9B8E-6904A717DEF4}" type="datetimeFigureOut">
               <a:rPr lang="en-US" smtClean="0"/>
-              <a:t>3/13/2022</a:t>
+              <a:t>3/18/2022</a:t>
             </a:fld>
             <a:endParaRPr lang="en-US" dirty="0"/>
           </a:p>
@@ -3015,7 +3015,7 @@
           <p:cNvPr id="5" name="Footer Placeholder 4">
             <a:extLst>
               <a:ext uri="{FF2B5EF4-FFF2-40B4-BE49-F238E27FC236}">
-                <a16:creationId xmlns:a16="http://schemas.microsoft.com/office/drawing/2014/main" xmlns="" id="{735B76BD-CDAC-4B1E-9A7D-D7127CEA56A4}"/>
+                <a16:creationId xmlns="" xmlns:a16="http://schemas.microsoft.com/office/drawing/2014/main" id="{735B76BD-CDAC-4B1E-9A7D-D7127CEA56A4}"/>
               </a:ext>
             </a:extLst>
           </p:cNvPr>
@@ -3058,7 +3058,7 @@
           <p:cNvPr id="6" name="Slide Number Placeholder 5">
             <a:extLst>
               <a:ext uri="{FF2B5EF4-FFF2-40B4-BE49-F238E27FC236}">
-                <a16:creationId xmlns:a16="http://schemas.microsoft.com/office/drawing/2014/main" xmlns="" id="{27691491-72A3-494D-AF80-96ED1DD80C95}"/>
+                <a16:creationId xmlns="" xmlns:a16="http://schemas.microsoft.com/office/drawing/2014/main" id="{27691491-72A3-494D-AF80-96ED1DD80C95}"/>
               </a:ext>
             </a:extLst>
           </p:cNvPr>
@@ -3464,7 +3464,7 @@
           <p:cNvPr id="2" name="Title 1">
             <a:extLst>
               <a:ext uri="{FF2B5EF4-FFF2-40B4-BE49-F238E27FC236}">
-                <a16:creationId xmlns:a16="http://schemas.microsoft.com/office/drawing/2014/main" xmlns="" id="{D4E54C08-262C-4FA4-BE02-658A898D7944}"/>
+                <a16:creationId xmlns="" xmlns:a16="http://schemas.microsoft.com/office/drawing/2014/main" id="{D4E54C08-262C-4FA4-BE02-658A898D7944}"/>
               </a:ext>
             </a:extLst>
           </p:cNvPr>
@@ -3555,7 +3555,7 @@
           <p:cNvPr id="13" name="Title 1">
             <a:extLst>
               <a:ext uri="{FF2B5EF4-FFF2-40B4-BE49-F238E27FC236}">
-                <a16:creationId xmlns:a16="http://schemas.microsoft.com/office/drawing/2014/main" xmlns="" id="{E90FFF88-3815-43DC-BA17-DD6C4A3DD2ED}"/>
+                <a16:creationId xmlns="" xmlns:a16="http://schemas.microsoft.com/office/drawing/2014/main" id="{E90FFF88-3815-43DC-BA17-DD6C4A3DD2ED}"/>
               </a:ext>
             </a:extLst>
           </p:cNvPr>
@@ -3694,6 +3694,18 @@
   <p:clrMapOvr>
     <a:masterClrMapping/>
   </p:clrMapOvr>
+  <mc:AlternateContent xmlns:mc="http://schemas.openxmlformats.org/markup-compatibility/2006">
+    <mc:Choice xmlns:p15="http://schemas.microsoft.com/office/powerpoint/2012/main" Requires="p15">
+      <p:transition xmlns:p14="http://schemas.microsoft.com/office/powerpoint/2010/main" spd="slow" p14:dur="6000">
+        <p15:prstTrans prst="curtains"/>
+      </p:transition>
+    </mc:Choice>
+    <mc:Fallback>
+      <p:transition spd="slow">
+        <p:fade/>
+      </p:transition>
+    </mc:Fallback>
+  </mc:AlternateContent>
   <p:timing>
     <p:tnLst>
       <p:par>
@@ -3726,7 +3738,7 @@
           <p:cNvPr id="3" name="Content Placeholder 2">
             <a:extLst>
               <a:ext uri="{FF2B5EF4-FFF2-40B4-BE49-F238E27FC236}">
-                <a16:creationId xmlns:a16="http://schemas.microsoft.com/office/drawing/2014/main" xmlns="" id="{4AB6F376-452B-4B43-89C0-5E7B61E7991D}"/>
+                <a16:creationId xmlns="" xmlns:a16="http://schemas.microsoft.com/office/drawing/2014/main" id="{4AB6F376-452B-4B43-89C0-5E7B61E7991D}"/>
               </a:ext>
             </a:extLst>
           </p:cNvPr>
@@ -3843,7 +3855,7 @@
           <p:cNvPr id="4" name="Rectangle 3">
             <a:extLst>
               <a:ext uri="{FF2B5EF4-FFF2-40B4-BE49-F238E27FC236}">
-                <a16:creationId xmlns:a16="http://schemas.microsoft.com/office/drawing/2014/main" xmlns="" id="{85E8ACE6-ACEA-47BB-821D-A37EE505DF61}"/>
+                <a16:creationId xmlns="" xmlns:a16="http://schemas.microsoft.com/office/drawing/2014/main" id="{85E8ACE6-ACEA-47BB-821D-A37EE505DF61}"/>
               </a:ext>
             </a:extLst>
           </p:cNvPr>
@@ -4120,6 +4132,18 @@
   <p:clrMapOvr>
     <a:masterClrMapping/>
   </p:clrMapOvr>
+  <mc:AlternateContent xmlns:mc="http://schemas.openxmlformats.org/markup-compatibility/2006">
+    <mc:Choice xmlns:p15="http://schemas.microsoft.com/office/powerpoint/2012/main" Requires="p15">
+      <p:transition xmlns:p14="http://schemas.microsoft.com/office/powerpoint/2010/main" spd="slow" p14:dur="2000">
+        <p15:prstTrans prst="fallOver"/>
+      </p:transition>
+    </mc:Choice>
+    <mc:Fallback>
+      <p:transition spd="slow">
+        <p:fade/>
+      </p:transition>
+    </mc:Fallback>
+  </mc:AlternateContent>
   <p:timing>
     <p:tnLst>
       <p:par>
@@ -4152,7 +4176,7 @@
           <p:cNvPr id="3" name="Content Placeholder 2">
             <a:extLst>
               <a:ext uri="{FF2B5EF4-FFF2-40B4-BE49-F238E27FC236}">
-                <a16:creationId xmlns:a16="http://schemas.microsoft.com/office/drawing/2014/main" xmlns="" id="{4AB6F376-452B-4B43-89C0-5E7B61E7991D}"/>
+                <a16:creationId xmlns="" xmlns:a16="http://schemas.microsoft.com/office/drawing/2014/main" id="{4AB6F376-452B-4B43-89C0-5E7B61E7991D}"/>
               </a:ext>
             </a:extLst>
           </p:cNvPr>
@@ -4194,17 +4218,12 @@
             </a:r>
             <a:r>
               <a:rPr lang="bg-BG" dirty="0" smtClean="0"/>
-              <a:t>и</a:t>
-            </a:r>
-            <a:r>
-              <a:rPr lang="bg-BG" dirty="0" smtClean="0"/>
-              <a:t>те</a:t>
+              <a:t>ите</a:t>
             </a:r>
             <a:r>
               <a:rPr lang="ru-RU" dirty="0" smtClean="0"/>
               <a:t> </a:t>
             </a:r>
-            <a:endParaRPr lang="ru-RU" dirty="0" smtClean="0"/>
           </a:p>
           <a:p>
             <a:pPr marL="0" indent="0">
@@ -4212,13 +4231,8 @@
             </a:pPr>
             <a:r>
               <a:rPr lang="ru-RU" dirty="0" smtClean="0"/>
-              <a:t>работеща </a:t>
-            </a:r>
-            <a:r>
-              <a:rPr lang="ru-RU" dirty="0" smtClean="0"/>
-              <a:t>схема </a:t>
-            </a:r>
-            <a:endParaRPr lang="ru-RU" dirty="0" smtClean="0"/>
+              <a:t>работеща схема </a:t>
+            </a:r>
           </a:p>
           <a:p>
             <a:pPr>
@@ -4228,11 +4242,7 @@
             </a:pPr>
             <a:r>
               <a:rPr lang="ru-RU" dirty="0" smtClean="0"/>
-              <a:t>Избирате </a:t>
-            </a:r>
-            <a:r>
-              <a:rPr lang="ru-RU" dirty="0" smtClean="0"/>
-              <a:t>от 6 </a:t>
+              <a:t>Избирате от 6 </a:t>
             </a:r>
             <a:r>
               <a:rPr lang="bg-BG" dirty="0" smtClean="0"/>
@@ -4261,17 +4271,8 @@
             </a:pPr>
             <a:r>
               <a:rPr lang="ru-RU" dirty="0" smtClean="0"/>
-              <a:t>Ако сбъркате </a:t>
-            </a:r>
-            <a:r>
-              <a:rPr lang="ru-RU" dirty="0" smtClean="0"/>
-              <a:t>ниво, </a:t>
-            </a:r>
-            <a:r>
-              <a:rPr lang="ru-RU" dirty="0" smtClean="0"/>
-              <a:t>избирате </a:t>
-            </a:r>
-            <a:endParaRPr lang="ru-RU" dirty="0" smtClean="0"/>
+              <a:t>Ако сбъркате ниво, избирате </a:t>
+            </a:r>
           </a:p>
           <a:p>
             <a:pPr marL="0" indent="0">
@@ -4295,19 +4296,7 @@
             </a:pPr>
             <a:r>
               <a:rPr lang="ru-RU" dirty="0" smtClean="0"/>
-              <a:t>Ако </a:t>
-            </a:r>
-            <a:r>
-              <a:rPr lang="ru-RU" dirty="0" smtClean="0"/>
-              <a:t>сте готови</a:t>
-            </a:r>
-            <a:r>
-              <a:rPr lang="ru-RU" dirty="0" smtClean="0"/>
-              <a:t>, </a:t>
-            </a:r>
-            <a:r>
-              <a:rPr lang="ru-RU" dirty="0" smtClean="0"/>
-              <a:t>избирате</a:t>
+              <a:t>Ако сте готови, избирате</a:t>
             </a:r>
             <a:endParaRPr lang="en-US" dirty="0" smtClean="0"/>
           </a:p>
@@ -4338,7 +4327,7 @@
           <p:cNvPr id="4" name="Rectangle 3">
             <a:extLst>
               <a:ext uri="{FF2B5EF4-FFF2-40B4-BE49-F238E27FC236}">
-                <a16:creationId xmlns:a16="http://schemas.microsoft.com/office/drawing/2014/main" xmlns="" id="{85E8ACE6-ACEA-47BB-821D-A37EE505DF61}"/>
+                <a16:creationId xmlns="" xmlns:a16="http://schemas.microsoft.com/office/drawing/2014/main" id="{85E8ACE6-ACEA-47BB-821D-A37EE505DF61}"/>
               </a:ext>
             </a:extLst>
           </p:cNvPr>
@@ -4562,6 +4551,18 @@
   <p:clrMapOvr>
     <a:masterClrMapping/>
   </p:clrMapOvr>
+  <mc:AlternateContent xmlns:mc="http://schemas.openxmlformats.org/markup-compatibility/2006">
+    <mc:Choice xmlns:p15="http://schemas.microsoft.com/office/powerpoint/2012/main" Requires="p15">
+      <p:transition xmlns:p14="http://schemas.microsoft.com/office/powerpoint/2010/main" spd="slow" p14:dur="2000">
+        <p15:prstTrans prst="fallOver"/>
+      </p:transition>
+    </mc:Choice>
+    <mc:Fallback>
+      <p:transition spd="slow">
+        <p:fade/>
+      </p:transition>
+    </mc:Fallback>
+  </mc:AlternateContent>
   <p:timing>
     <p:tnLst>
       <p:par>
@@ -4933,6 +4934,18 @@
   <p:clrMapOvr>
     <a:masterClrMapping/>
   </p:clrMapOvr>
+  <mc:AlternateContent xmlns:mc="http://schemas.openxmlformats.org/markup-compatibility/2006">
+    <mc:Choice xmlns:p15="http://schemas.microsoft.com/office/powerpoint/2012/main" Requires="p15">
+      <p:transition xmlns:p14="http://schemas.microsoft.com/office/powerpoint/2010/main" spd="slow" p14:dur="2000">
+        <p15:prstTrans prst="fallOver"/>
+      </p:transition>
+    </mc:Choice>
+    <mc:Fallback>
+      <p:transition spd="slow">
+        <p:fade/>
+      </p:transition>
+    </mc:Fallback>
+  </mc:AlternateContent>
   <p:timing>
     <p:tnLst>
       <p:par>
@@ -5216,6 +5229,18 @@
   <p:clrMapOvr>
     <a:masterClrMapping/>
   </p:clrMapOvr>
+  <mc:AlternateContent xmlns:mc="http://schemas.openxmlformats.org/markup-compatibility/2006">
+    <mc:Choice xmlns:p15="http://schemas.microsoft.com/office/powerpoint/2012/main" Requires="p15">
+      <p:transition xmlns:p14="http://schemas.microsoft.com/office/powerpoint/2010/main" spd="slow" p14:dur="2000">
+        <p15:prstTrans prst="fallOver"/>
+      </p:transition>
+    </mc:Choice>
+    <mc:Fallback>
+      <p:transition spd="slow">
+        <p:fade/>
+      </p:transition>
+    </mc:Fallback>
+  </mc:AlternateContent>
   <p:timing>
     <p:tnLst>
       <p:par>
@@ -5342,11 +5367,7 @@
             </a:pPr>
             <a:r>
               <a:rPr lang="bg-BG" dirty="0" smtClean="0"/>
-              <a:t>межу </a:t>
-            </a:r>
-            <a:r>
-              <a:rPr lang="bg-BG" dirty="0" smtClean="0"/>
-              <a:t>елементите</a:t>
+              <a:t>межу елементите</a:t>
             </a:r>
           </a:p>
           <a:p>
@@ -5376,11 +5397,7 @@
             </a:pPr>
             <a:r>
               <a:rPr lang="bg-BG" dirty="0" smtClean="0"/>
-              <a:t>избор </a:t>
-            </a:r>
-            <a:r>
-              <a:rPr lang="bg-BG" dirty="0" smtClean="0"/>
-              <a:t>на елементи</a:t>
+              <a:t>избор на елементи</a:t>
             </a:r>
           </a:p>
           <a:p>
@@ -5617,6 +5634,18 @@
   <p:clrMapOvr>
     <a:masterClrMapping/>
   </p:clrMapOvr>
+  <mc:AlternateContent xmlns:mc="http://schemas.openxmlformats.org/markup-compatibility/2006">
+    <mc:Choice xmlns:p15="http://schemas.microsoft.com/office/powerpoint/2012/main" Requires="p15">
+      <p:transition xmlns:p14="http://schemas.microsoft.com/office/powerpoint/2010/main" spd="slow" p14:dur="2000">
+        <p15:prstTrans prst="fallOver"/>
+      </p:transition>
+    </mc:Choice>
+    <mc:Fallback>
+      <p:transition spd="slow">
+        <p:fade/>
+      </p:transition>
+    </mc:Fallback>
+  </mc:AlternateContent>
   <p:timing>
     <p:tnLst>
       <p:par>
@@ -5801,6 +5830,18 @@
   <p:clrMapOvr>
     <a:masterClrMapping/>
   </p:clrMapOvr>
+  <mc:AlternateContent xmlns:mc="http://schemas.openxmlformats.org/markup-compatibility/2006">
+    <mc:Choice xmlns:p15="http://schemas.microsoft.com/office/powerpoint/2012/main" Requires="p15">
+      <p:transition xmlns:p14="http://schemas.microsoft.com/office/powerpoint/2010/main" spd="slow" p14:dur="1250">
+        <p15:prstTrans prst="airplane"/>
+      </p:transition>
+    </mc:Choice>
+    <mc:Fallback>
+      <p:transition spd="slow">
+        <p:fade/>
+      </p:transition>
+    </mc:Fallback>
+  </mc:AlternateContent>
   <p:timing>
     <p:tnLst>
       <p:par>
